--- a/PresentationTree.pptx
+++ b/PresentationTree.pptx
@@ -16,7 +16,8 @@
     <p:sldId id="263" r:id="rId10"/>
     <p:sldId id="260" r:id="rId11"/>
     <p:sldId id="261" r:id="rId12"/>
-    <p:sldId id="259" r:id="rId13"/>
+    <p:sldId id="268" r:id="rId13"/>
+    <p:sldId id="259" r:id="rId14"/>
   </p:sldIdLst>
   <p:sldSz cx="9144000" cy="6858000" type="screen4x3"/>
   <p:notesSz cx="6858000" cy="9144000"/>
@@ -3795,6 +3796,185 @@
           <a:p>
             <a:r>
               <a:rPr lang="en-US" dirty="0" smtClean="0"/>
+              <a:t>Outcome from this approach</a:t>
+            </a:r>
+            <a:endParaRPr lang="uk-UA" dirty="0"/>
+          </a:p>
+        </p:txBody>
+      </p:sp>
+      <p:sp>
+        <p:nvSpPr>
+          <p:cNvPr id="3" name="Content Placeholder 2"/>
+          <p:cNvSpPr>
+            <a:spLocks noGrp="1"/>
+          </p:cNvSpPr>
+          <p:nvPr>
+            <p:ph idx="1"/>
+          </p:nvPr>
+        </p:nvSpPr>
+        <p:spPr/>
+        <p:txBody>
+          <a:bodyPr>
+            <a:normAutofit/>
+          </a:bodyPr>
+          <a:lstStyle/>
+          <a:p>
+            <a:pPr marL="0" indent="0">
+              <a:buNone/>
+            </a:pPr>
+            <a:r>
+              <a:rPr lang="ru-RU" sz="1000" dirty="0" smtClean="0"/>
+              <a:t>+</a:t>
+            </a:r>
+          </a:p>
+          <a:p>
+            <a:pPr marL="0" indent="0">
+              <a:buNone/>
+            </a:pPr>
+            <a:r>
+              <a:rPr lang="ru-RU" sz="1000" dirty="0" smtClean="0"/>
+              <a:t>Проте , даний спосіб володіє і істотними перевагами - в дерево легко вносити зміни , міняти місцями і видаляти вузли.</a:t>
+            </a:r>
+          </a:p>
+          <a:p>
+            <a:pPr marL="0" indent="0">
+              <a:buNone/>
+            </a:pPr>
+            <a:endParaRPr lang="ru-RU" sz="1000" dirty="0" smtClean="0"/>
+          </a:p>
+          <a:p>
+            <a:pPr marL="0" indent="0">
+              <a:buNone/>
+            </a:pPr>
+            <a:r>
+              <a:rPr lang="ru-RU" sz="1000" dirty="0" smtClean="0"/>
+              <a:t>-</a:t>
+            </a:r>
+          </a:p>
+          <a:p>
+            <a:pPr marL="0" indent="0">
+              <a:buNone/>
+            </a:pPr>
+            <a:r>
+              <a:rPr lang="ru-RU" sz="1000" b="1" strike="sngStrike" dirty="0" smtClean="0">
+                <a:solidFill>
+                  <a:srgbClr val="FF0000"/>
+                </a:solidFill>
+              </a:rPr>
+              <a:t>головний недолік такого підходу - необхідно достовірно знати кількість рівнів вкладеності у вашій ієрархії , крім того , чим більше ієрархія , тим більше </a:t>
+            </a:r>
+            <a:r>
+              <a:rPr lang="en-US" sz="1000" b="1" strike="sngStrike" dirty="0" smtClean="0">
+                <a:solidFill>
+                  <a:srgbClr val="FF0000"/>
+                </a:solidFill>
+              </a:rPr>
+              <a:t>JOIN'</a:t>
+            </a:r>
+            <a:r>
+              <a:rPr lang="ru-RU" sz="1000" b="1" strike="sngStrike" dirty="0" smtClean="0">
+                <a:solidFill>
+                  <a:srgbClr val="FF0000"/>
+                </a:solidFill>
+              </a:rPr>
+              <a:t>ов - тим нижче продуктивність.</a:t>
+            </a:r>
+          </a:p>
+          <a:p>
+            <a:pPr marL="0" indent="0">
+              <a:buNone/>
+            </a:pPr>
+            <a:endParaRPr lang="ru-RU" sz="1000" b="1" dirty="0" smtClean="0"/>
+          </a:p>
+          <a:p>
+            <a:pPr marL="0" indent="0">
+              <a:buNone/>
+            </a:pPr>
+            <a:r>
+              <a:rPr lang="ru-RU" sz="1000" b="1" dirty="0" smtClean="0"/>
+              <a:t>Однак він погано застосуємо , коли потрібно вичитувати небудь інші шматки дерева , знаходити шляхи , попередні і наступні вузли при обході і вичитувати гілки дерева цілком ( на всю глибину ) .</a:t>
+            </a:r>
+          </a:p>
+          <a:p>
+            <a:pPr marL="0" indent="0">
+              <a:buNone/>
+            </a:pPr>
+            <a:endParaRPr lang="ru-RU" sz="1000" b="1" dirty="0" smtClean="0"/>
+          </a:p>
+          <a:p>
+            <a:pPr marL="0" indent="0">
+              <a:buNone/>
+            </a:pPr>
+            <a:r>
+              <a:rPr lang="ru-RU" sz="1000" b="1" dirty="0" smtClean="0"/>
+              <a:t>Висновок - даний алгоритм добре застосуємо , якщо ви оперуєте з невеликими деревовидними структурами , які часто піддаються змінам.</a:t>
+            </a:r>
+          </a:p>
+          <a:p>
+            <a:pPr marL="0" indent="0">
+              <a:buNone/>
+            </a:pPr>
+            <a:endParaRPr lang="ru-RU" sz="1000" b="1" dirty="0" smtClean="0"/>
+          </a:p>
+          <a:p>
+            <a:pPr marL="0" indent="0">
+              <a:buNone/>
+            </a:pPr>
+            <a:r>
+              <a:rPr lang="ru-RU" sz="1000" b="1" dirty="0" smtClean="0"/>
+              <a:t>З іншого боку , цей алгоритм також досить впевнено себе почуває і з великими деревами , якщо зчитувати їх порціями виду « знаю батька - прочитати всіх спадкоємців ». Хороший приклад такого випадку - динамічно підкачуємі дерева . У цьому випадку алгоритм практично оптимізований для такої поведінки</a:t>
+            </a:r>
+            <a:endParaRPr lang="uk-UA" sz="1000" dirty="0"/>
+          </a:p>
+        </p:txBody>
+      </p:sp>
+    </p:spTree>
+    <p:extLst>
+      <p:ext uri="{BB962C8B-B14F-4D97-AF65-F5344CB8AC3E}">
+        <p14:creationId xmlns:p14="http://schemas.microsoft.com/office/powerpoint/2010/main" val="856336983"/>
+      </p:ext>
+    </p:extLst>
+  </p:cSld>
+  <p:clrMapOvr>
+    <a:masterClrMapping/>
+  </p:clrMapOvr>
+</p:sld>
+</file>
+
+<file path=ppt/slides/slide13.xml><?xml version="1.0" encoding="utf-8"?>
+<p:sld xmlns:a="http://schemas.openxmlformats.org/drawingml/2006/main" xmlns:r="http://schemas.openxmlformats.org/officeDocument/2006/relationships" xmlns:p="http://schemas.openxmlformats.org/presentationml/2006/main">
+  <p:cSld>
+    <p:spTree>
+      <p:nvGrpSpPr>
+        <p:cNvPr id="1" name=""/>
+        <p:cNvGrpSpPr/>
+        <p:nvPr/>
+      </p:nvGrpSpPr>
+      <p:grpSpPr>
+        <a:xfrm>
+          <a:off x="0" y="0"/>
+          <a:ext cx="0" cy="0"/>
+          <a:chOff x="0" y="0"/>
+          <a:chExt cx="0" cy="0"/>
+        </a:xfrm>
+      </p:grpSpPr>
+      <p:sp>
+        <p:nvSpPr>
+          <p:cNvPr id="2" name="Title 1"/>
+          <p:cNvSpPr>
+            <a:spLocks noGrp="1"/>
+          </p:cNvSpPr>
+          <p:nvPr>
+            <p:ph type="title"/>
+          </p:nvPr>
+        </p:nvSpPr>
+        <p:spPr/>
+        <p:txBody>
+          <a:bodyPr/>
+          <a:lstStyle/>
+          <a:p>
+            <a:r>
+              <a:rPr lang="en-US" dirty="0" smtClean="0"/>
               <a:t>Load records for test</a:t>
             </a:r>
             <a:endParaRPr lang="uk-UA" dirty="0"/>
@@ -4512,78 +4692,55 @@
             </a:pPr>
             <a:r>
               <a:rPr lang="ru-RU" sz="1000" dirty="0" smtClean="0"/>
-              <a:t>Об </a:t>
-            </a:r>
-            <a:r>
-              <a:rPr lang="ru-RU" sz="1000" dirty="0"/>
-              <a:t>этом алгоритме и его быстродействии, наверное, слышали все веб-разработчики. Да, этот алгоритм действительно очень хорош, когда требуется часто и много обращаться к иерархическим данным на чтение. </a:t>
-            </a:r>
+              <a:t>Про це алгоритмі і його швидкодії, напевно, чули всі веб-розробники. Так, цей алгоритм дійсно дуже хороший, коли потрібно часто і багато звертатися до ієрархічним даними на читання.</a:t>
+            </a:r>
+            <a:endParaRPr lang="en-US" sz="1000" dirty="0" smtClean="0"/>
+          </a:p>
+          <a:p>
+            <a:pPr marL="0" indent="0">
+              <a:buNone/>
+            </a:pPr>
+            <a:endParaRPr lang="en-US" sz="1000" dirty="0" smtClean="0"/>
+          </a:p>
+          <a:p>
+            <a:pPr marL="0" indent="0">
+              <a:buNone/>
+            </a:pPr>
+            <a:r>
+              <a:rPr lang="ru-RU" sz="1000" dirty="0" smtClean="0"/>
+              <a:t>Досить нескладним чином ми можемо зчитувати цілі гілки, шляху з нашого дерева, обходити його вузли і т.д.</a:t>
+            </a:r>
+            <a:endParaRPr lang="en-US" sz="1000" dirty="0" smtClean="0"/>
+          </a:p>
+          <a:p>
+            <a:pPr marL="0" indent="0">
+              <a:buNone/>
+            </a:pPr>
             <a:endParaRPr lang="en-US" sz="1000" dirty="0"/>
           </a:p>
           <a:p>
             <a:pPr marL="0" indent="0">
               <a:buNone/>
             </a:pPr>
+            <a:r>
+              <a:rPr lang="en-US" sz="1000" dirty="0"/>
+              <a:t>-</a:t>
+            </a:r>
             <a:endParaRPr lang="en-US" sz="1000" dirty="0" smtClean="0"/>
           </a:p>
           <a:p>
             <a:pPr marL="0" indent="0">
               <a:buNone/>
             </a:pPr>
-            <a:r>
-              <a:rPr lang="ru-RU" sz="1000" dirty="0" smtClean="0"/>
-              <a:t>Довольно </a:t>
-            </a:r>
-            <a:r>
-              <a:rPr lang="ru-RU" sz="1000" dirty="0"/>
-              <a:t>несложным образом мы можем считывать целые ветки, пути из нашего дерева, обходить его узлы и т.д</a:t>
-            </a:r>
-            <a:r>
-              <a:rPr lang="ru-RU" sz="1000" dirty="0" smtClean="0"/>
-              <a:t>.</a:t>
-            </a:r>
             <a:endParaRPr lang="en-US" sz="1000" dirty="0" smtClean="0"/>
           </a:p>
           <a:p>
             <a:pPr marL="0" indent="0">
               <a:buNone/>
             </a:pPr>
-            <a:endParaRPr lang="en-US" sz="1000" dirty="0" smtClean="0"/>
-          </a:p>
-          <a:p>
-            <a:pPr marL="0" indent="0">
-              <a:buNone/>
-            </a:pPr>
-            <a:endParaRPr lang="en-US" sz="1000" dirty="0"/>
-          </a:p>
-          <a:p>
-            <a:pPr marL="0" indent="0">
-              <a:buNone/>
-            </a:pPr>
-            <a:r>
-              <a:rPr lang="en-US" sz="1000" dirty="0" smtClean="0"/>
-              <a:t>-</a:t>
-            </a:r>
-          </a:p>
-          <a:p>
-            <a:pPr marL="0" indent="0">
-              <a:buNone/>
-            </a:pPr>
-            <a:endParaRPr lang="en-US" sz="1000" dirty="0"/>
-          </a:p>
-          <a:p>
-            <a:pPr marL="0" indent="0">
-              <a:buNone/>
-            </a:pPr>
-            <a:endParaRPr lang="en-US" sz="1000" dirty="0" smtClean="0"/>
-          </a:p>
-          <a:p>
-            <a:pPr marL="0" indent="0">
-              <a:buNone/>
-            </a:pPr>
-            <a:r>
-              <a:rPr lang="ru-RU" sz="1000" b="1" dirty="0"/>
-              <a:t>Тем не менее, не бывает худа без добра, и в данном случае, значительные трудности начинаются когда нам необходимо внести изменения в Nested Set дерево или удалить какую-либо из его ветвей.</a:t>
+            <a:r>
+              <a:rPr lang="ru-RU" sz="1000" b="1" dirty="0" smtClean="0"/>
+              <a:t>Тим не менш, не буває лиха без добра, і в даному випадку, значні труднощі починаються коли нам необхідно внести зміни до Nested Set дерево або видалити будь-яку з його гілок.</a:t>
             </a:r>
             <a:endParaRPr lang="uk-UA" sz="1000" b="1" dirty="0"/>
           </a:p>
@@ -4785,42 +4942,45 @@
               <a:buNone/>
             </a:pPr>
             <a:r>
+              <a:rPr lang="uk-UA" sz="1000" dirty="0" smtClean="0"/>
+              <a:t>+</a:t>
+            </a:r>
+          </a:p>
+          <a:p>
+            <a:pPr marL="0" indent="0">
+              <a:buNone/>
+            </a:pPr>
+            <a:endParaRPr lang="uk-UA" sz="1000" dirty="0" smtClean="0"/>
+          </a:p>
+          <a:p>
+            <a:pPr marL="0" indent="0">
+              <a:buNone/>
+            </a:pPr>
+            <a:r>
+              <a:rPr lang="uk-UA" sz="1000" dirty="0" smtClean="0"/>
+              <a:t>По-перше, в порівнянні з </a:t>
+            </a:r>
+            <a:r>
               <a:rPr lang="en-US" sz="1000" dirty="0" smtClean="0"/>
-              <a:t>+</a:t>
-            </a:r>
-          </a:p>
-          <a:p>
-            <a:pPr marL="0" indent="0">
-              <a:buNone/>
-            </a:pPr>
-            <a:endParaRPr lang="en-US" sz="1000" dirty="0"/>
-          </a:p>
-          <a:p>
-            <a:pPr marL="0" indent="0">
-              <a:buNone/>
-            </a:pPr>
-            <a:r>
-              <a:rPr lang="ru-RU" sz="1000" dirty="0" smtClean="0"/>
-              <a:t>Во-первых</a:t>
-            </a:r>
-            <a:r>
-              <a:rPr lang="ru-RU" sz="1000" dirty="0"/>
-              <a:t>, по сравнению с Nested Set, он более поддается изменениям. В то же время остается достаточно удобным для выборки деревьев целиком и их частей. </a:t>
-            </a:r>
-            <a:endParaRPr lang="en-US" sz="1000" dirty="0" smtClean="0"/>
-          </a:p>
-          <a:p>
-            <a:pPr marL="0" indent="0">
-              <a:buNone/>
-            </a:pPr>
-            <a:endParaRPr lang="en-US" sz="1000" dirty="0"/>
-          </a:p>
-          <a:p>
-            <a:pPr marL="0" indent="0">
-              <a:buNone/>
-            </a:pPr>
-            <a:r>
-              <a:rPr lang="en-US" sz="1000" b="1" dirty="0" smtClean="0"/>
+              <a:t>Nested Set, </a:t>
+            </a:r>
+            <a:r>
+              <a:rPr lang="uk-UA" sz="1000" dirty="0" smtClean="0"/>
+              <a:t>він більш піддається змінам. У той же час залишається досить зручним для вибірки дерев цілком і їх частин.</a:t>
+            </a:r>
+          </a:p>
+          <a:p>
+            <a:pPr marL="0" indent="0">
+              <a:buNone/>
+            </a:pPr>
+            <a:endParaRPr lang="uk-UA" sz="1000" dirty="0" smtClean="0"/>
+          </a:p>
+          <a:p>
+            <a:pPr marL="0" indent="0">
+              <a:buNone/>
+            </a:pPr>
+            <a:r>
+              <a:rPr lang="uk-UA" sz="1000" dirty="0" smtClean="0"/>
               <a:t>-</a:t>
             </a:r>
           </a:p>
@@ -4828,49 +4988,24 @@
             <a:pPr marL="0" indent="0">
               <a:buNone/>
             </a:pPr>
-            <a:endParaRPr lang="en-US" sz="1000" dirty="0"/>
-          </a:p>
-          <a:p>
-            <a:pPr marL="0" indent="0">
-              <a:buNone/>
-            </a:pPr>
-            <a:r>
-              <a:rPr lang="ru-RU" sz="1000" b="1" dirty="0"/>
-              <a:t>Следует отметить, что наиболее неприятной в данном алгоритме будет операция вставки узла в середину </a:t>
-            </a:r>
-            <a:r>
-              <a:rPr lang="ru-RU" sz="1000" b="1" dirty="0" smtClean="0"/>
-              <a:t>уже</a:t>
-            </a:r>
-            <a:r>
-              <a:rPr lang="en-US" sz="1000" b="1" dirty="0" smtClean="0"/>
-              <a:t> </a:t>
-            </a:r>
-            <a:r>
-              <a:rPr lang="uk-UA" sz="1000" b="1" dirty="0"/>
-              <a:t>существующей структуры</a:t>
-            </a:r>
-            <a:r>
-              <a:rPr lang="ru-RU" sz="1000" dirty="0"/>
-              <a:t> </a:t>
-            </a:r>
-            <a:endParaRPr lang="en-US" sz="1000" dirty="0" smtClean="0"/>
-          </a:p>
-          <a:p>
-            <a:pPr marL="0" indent="0">
-              <a:buNone/>
-            </a:pPr>
-            <a:r>
-              <a:rPr lang="en-US" sz="1000" b="1" dirty="0" smtClean="0"/>
-              <a:t> </a:t>
-            </a:r>
-            <a:r>
-              <a:rPr lang="ru-RU" sz="1000" b="1" dirty="0" smtClean="0"/>
-              <a:t>Поиск предков </a:t>
-            </a:r>
-            <a:r>
-              <a:rPr lang="ru-RU" sz="1000" b="1" dirty="0"/>
-              <a:t>ветки.</a:t>
+            <a:endParaRPr lang="uk-UA" sz="1000" dirty="0" smtClean="0"/>
+          </a:p>
+          <a:p>
+            <a:pPr marL="0" indent="0">
+              <a:buNone/>
+            </a:pPr>
+            <a:r>
+              <a:rPr lang="uk-UA" sz="1000" b="1" dirty="0" smtClean="0"/>
+              <a:t>Слід зазначити, що найбільш неприємною в даному алгоритмі буде операція вставки вузла в середину вже існуючої структури</a:t>
+            </a:r>
+          </a:p>
+          <a:p>
+            <a:pPr marL="0" indent="0">
+              <a:buNone/>
+            </a:pPr>
+            <a:r>
+              <a:rPr lang="uk-UA" sz="1000" b="1" dirty="0" smtClean="0"/>
+              <a:t>  Пошук предків гілки.</a:t>
             </a:r>
             <a:endParaRPr lang="uk-UA" sz="1000" b="1" dirty="0"/>
           </a:p>
@@ -5088,8 +5223,8 @@
               <a:buNone/>
             </a:pPr>
             <a:r>
-              <a:rPr lang="ru-RU" sz="1000" dirty="0"/>
-              <a:t>Тем не менее, данный способ обладает и существенными достоинствами — в дерево легко вносить изменения, менять местами и удалять узлы.</a:t>
+              <a:rPr lang="ru-RU" sz="1000" dirty="0" smtClean="0"/>
+              <a:t>Проте , даний спосіб володіє і істотними перевагами - в дерево легко вносити зміни , міняти місцями і видаляти вузли.</a:t>
             </a:r>
           </a:p>
           <a:p>
@@ -5112,12 +5247,16 @@
               <a:buNone/>
             </a:pPr>
             <a:r>
-              <a:rPr lang="ru-RU" sz="1000" b="1" dirty="0"/>
-              <a:t>главный недостаток такого подхода — необходимо достоверно знать количество уровней вложенности в вашей иерархии, кроме того, чем больше иерархия, тем больше JOIN'ов — тем ниже производительность</a:t>
-            </a:r>
-            <a:r>
               <a:rPr lang="ru-RU" sz="1000" b="1" dirty="0" smtClean="0"/>
-              <a:t>.</a:t>
+              <a:t>головний недолік такого підходу - необхідно достовірно знати кількість рівнів вкладеності у вашій ієрархії , крім того , чим більше ієрархія , тим більше </a:t>
+            </a:r>
+            <a:r>
+              <a:rPr lang="en-US" sz="1000" b="1" dirty="0" smtClean="0"/>
+              <a:t>JOIN'</a:t>
+            </a:r>
+            <a:r>
+              <a:rPr lang="ru-RU" sz="1000" b="1" dirty="0" smtClean="0"/>
+              <a:t>ов - тим нижче продуктивність.</a:t>
             </a:r>
           </a:p>
           <a:p>
@@ -5132,58 +5271,39 @@
             </a:pPr>
             <a:r>
               <a:rPr lang="ru-RU" sz="1000" b="1" dirty="0" smtClean="0"/>
-              <a:t>Однако </a:t>
-            </a:r>
-            <a:r>
-              <a:rPr lang="ru-RU" sz="1000" b="1" dirty="0"/>
-              <a:t>он плохо применим, когда нужно вычитывать какие-либо иные куски дерева, находить пути, предыдущие и следующие узлы при обходе и вычитывать ветки дерева целиком (на всю глубину</a:t>
-            </a:r>
+              <a:t>Однак він погано застосуємо , коли потрібно вичитувати небудь інші шматки дерева , знаходити шляхи , попередні і наступні вузли при обході і вичитувати гілки дерева цілком ( на всю глибину ) .</a:t>
+            </a:r>
+          </a:p>
+          <a:p>
+            <a:pPr marL="0" indent="0">
+              <a:buNone/>
+            </a:pPr>
+            <a:endParaRPr lang="ru-RU" sz="1000" b="1" dirty="0" smtClean="0"/>
+          </a:p>
+          <a:p>
+            <a:pPr marL="0" indent="0">
+              <a:buNone/>
+            </a:pPr>
             <a:r>
               <a:rPr lang="ru-RU" sz="1000" b="1" dirty="0" smtClean="0"/>
-              <a:t>).</a:t>
+              <a:t>Висновок - даний алгоритм добре застосуємо , якщо ви оперуєте з невеликими деревовидними структурами , які часто піддаються змінам.</a:t>
+            </a:r>
+          </a:p>
+          <a:p>
+            <a:pPr marL="0" indent="0">
+              <a:buNone/>
+            </a:pPr>
+            <a:endParaRPr lang="ru-RU" sz="1000" b="1" dirty="0" smtClean="0"/>
+          </a:p>
+          <a:p>
+            <a:pPr marL="0" indent="0">
+              <a:buNone/>
+            </a:pPr>
+            <a:r>
+              <a:rPr lang="ru-RU" sz="1000" b="1" dirty="0" smtClean="0"/>
+              <a:t>З іншого боку , цей алгоритм також досить впевнено себе почуває і з великими деревами , якщо зчитувати їх порціями виду « знаю батька - прочитати всіх спадкоємців ». Хороший приклад такого випадку - динамічно підкачуємі дерева . У цьому випадку алгоритм практично оптимізований для такої поведінки.</a:t>
             </a:r>
             <a:endParaRPr lang="ru-RU" sz="1000" b="1" dirty="0"/>
-          </a:p>
-          <a:p>
-            <a:pPr marL="0" indent="0">
-              <a:buNone/>
-            </a:pPr>
-            <a:endParaRPr lang="ru-RU" sz="1000" dirty="0" smtClean="0"/>
-          </a:p>
-          <a:p>
-            <a:pPr marL="0" indent="0">
-              <a:buNone/>
-            </a:pPr>
-            <a:r>
-              <a:rPr lang="ru-RU" sz="1050" dirty="0"/>
-              <a:t>Вывод — данный алгоритм хорошо применим, если вы оперируете с небольшими древовидными структурами, которые часто поддаются изменениям</a:t>
-            </a:r>
-            <a:r>
-              <a:rPr lang="ru-RU" sz="1050" dirty="0" smtClean="0"/>
-              <a:t>.</a:t>
-            </a:r>
-          </a:p>
-          <a:p>
-            <a:pPr marL="0" indent="0">
-              <a:buNone/>
-            </a:pPr>
-            <a:endParaRPr lang="ru-RU" sz="1000" dirty="0"/>
-          </a:p>
-          <a:p>
-            <a:pPr marL="0" indent="0">
-              <a:buNone/>
-            </a:pPr>
-            <a:r>
-              <a:rPr lang="ru-RU" sz="1000" b="1" dirty="0"/>
-              <a:t>С другой стороны, этот алгоритм также довольно уверенно себя чувствует и с большими деревьями, если считывать их порциями вида «знаю родителя — прочитать всех наследников». Хороший пример такого случая — динамически подгружаемые деревья. В этом случае алгоритм практически оптимизирован для такого поведения.</a:t>
-            </a:r>
-            <a:endParaRPr lang="ru-RU" sz="1000" b="1" dirty="0" smtClean="0"/>
-          </a:p>
-          <a:p>
-            <a:pPr marL="0" indent="0">
-              <a:buNone/>
-            </a:pPr>
-            <a:endParaRPr lang="ru-RU" sz="1000" dirty="0"/>
           </a:p>
           <a:p>
             <a:pPr marL="0" indent="0">
